--- a/Phase1/document/Financial-Services-Hub-Phase1.pptx
+++ b/Phase1/document/Financial-Services-Hub-Phase1.pptx
@@ -6,8 +6,10 @@
   </p:sldMasterIdLst>
   <p:sldIdLst>
     <p:sldId id="256" r:id="rId3"/>
-    <p:sldId id="257" r:id="rId4"/>
-    <p:sldId id="258" r:id="rId5"/>
+    <p:sldId id="259" r:id="rId4"/>
+    <p:sldId id="260" r:id="rId5"/>
+    <p:sldId id="258" r:id="rId6"/>
+    <p:sldId id="257" r:id="rId7"/>
   </p:sldIdLst>
   <p:sldSz cx="12192000" cy="6858000"/>
   <p:notesSz cx="7103745" cy="10234295"/>
@@ -2664,12 +2666,12 @@
         <p:spPr/>
         <p:txBody>
           <a:bodyPr>
-            <a:normAutofit lnSpcReduction="20000"/>
+            <a:normAutofit fontScale="80000"/>
           </a:bodyPr>
           <a:p>
             <a:r>
               <a:rPr lang="en-US"/>
-              <a:t>Group Members:</a:t>
+              <a:t>Team 18 :</a:t>
             </a:r>
             <a:endParaRPr lang="en-US"/>
           </a:p>
@@ -2735,7 +2737,7 @@
           <a:p>
             <a:r>
               <a:rPr lang="en-US"/>
-              <a:t>Use cases</a:t>
+              <a:t>Introduction</a:t>
             </a:r>
             <a:endParaRPr lang="en-US"/>
           </a:p>
@@ -2755,6 +2757,57 @@
         <p:txBody>
           <a:bodyPr/>
           <a:p>
+            <a:pPr marL="0" indent="0">
+              <a:buNone/>
+            </a:pPr>
+            <a:r>
+              <a:rPr lang="en-US"/>
+              <a:t>Topic: Financial Services Hub, to search, apply, review for financial services and products, ATM, loans, financial instruments, cryptocurrency services, etc.</a:t>
+            </a:r>
+            <a:endParaRPr lang="en-US"/>
+          </a:p>
+          <a:p>
+            <a:pPr marL="0" indent="0">
+              <a:buNone/>
+            </a:pPr>
+            <a:endParaRPr lang="en-US"/>
+          </a:p>
+          <a:p>
+            <a:pPr marL="0" indent="0">
+              <a:buNone/>
+            </a:pPr>
+            <a:r>
+              <a:rPr lang="en-US"/>
+              <a:t>Name: BestFinance</a:t>
+            </a:r>
+            <a:endParaRPr lang="en-US"/>
+          </a:p>
+          <a:p>
+            <a:pPr marL="0" indent="0">
+              <a:buNone/>
+            </a:pPr>
+            <a:endParaRPr lang="en-US"/>
+          </a:p>
+          <a:p>
+            <a:pPr marL="0" indent="0">
+              <a:buNone/>
+            </a:pPr>
+            <a:r>
+              <a:rPr lang="en-US"/>
+              <a:t>Description: To search, apply, review for Loans, Insurance, Investments</a:t>
+            </a:r>
+            <a:endParaRPr lang="en-US"/>
+          </a:p>
+          <a:p>
+            <a:pPr marL="0" indent="0">
+              <a:buNone/>
+            </a:pPr>
+            <a:endParaRPr lang="en-US"/>
+          </a:p>
+          <a:p>
+            <a:pPr marL="0" indent="0">
+              <a:buNone/>
+            </a:pPr>
             <a:endParaRPr lang="en-US"/>
           </a:p>
         </p:txBody>
@@ -2779,7 +2832,7 @@
       <p:grpSpPr/>
       <p:pic>
         <p:nvPicPr>
-          <p:cNvPr id="4" name="Content Placeholder 3" descr="architecture"/>
+          <p:cNvPr id="6" name="Content Placeholder 5" descr="database"/>
           <p:cNvPicPr>
             <a:picLocks noChangeAspect="1"/>
           </p:cNvPicPr>
@@ -2795,8 +2848,96 @@
         </p:blipFill>
         <p:spPr>
           <a:xfrm>
-            <a:off x="1870710" y="548640"/>
-            <a:ext cx="8449945" cy="5760085"/>
+            <a:off x="2518410" y="622300"/>
+            <a:ext cx="7155815" cy="5613400"/>
+          </a:xfrm>
+          <a:prstGeom prst="rect">
+            <a:avLst/>
+          </a:prstGeom>
+        </p:spPr>
+      </p:pic>
+    </p:spTree>
+  </p:cSld>
+  <p:clrMapOvr>
+    <a:masterClrMapping/>
+  </p:clrMapOvr>
+</p:sld>
+</file>
+
+<file path=ppt/slides/slide4.xml><?xml version="1.0" encoding="utf-8"?>
+<p:sld xmlns:a="http://schemas.openxmlformats.org/drawingml/2006/main" xmlns:r="http://schemas.openxmlformats.org/officeDocument/2006/relationships" xmlns:p="http://schemas.openxmlformats.org/presentationml/2006/main">
+  <p:cSld>
+    <p:spTree>
+      <p:nvGrpSpPr>
+        <p:cNvPr id="1" name=""/>
+        <p:cNvGrpSpPr/>
+        <p:nvPr/>
+      </p:nvGrpSpPr>
+      <p:grpSpPr/>
+      <p:pic>
+        <p:nvPicPr>
+          <p:cNvPr id="3" name="Content Placeholder 2" descr="architecture"/>
+          <p:cNvPicPr>
+            <a:picLocks noChangeAspect="1"/>
+          </p:cNvPicPr>
+          <p:nvPr>
+            <p:ph idx="1"/>
+          </p:nvPr>
+        </p:nvPicPr>
+        <p:blipFill>
+          <a:blip r:embed="rId1"/>
+          <a:stretch>
+            <a:fillRect/>
+          </a:stretch>
+        </p:blipFill>
+        <p:spPr>
+          <a:xfrm>
+            <a:off x="2883535" y="204470"/>
+            <a:ext cx="6424930" cy="6449695"/>
+          </a:xfrm>
+          <a:prstGeom prst="rect">
+            <a:avLst/>
+          </a:prstGeom>
+        </p:spPr>
+      </p:pic>
+    </p:spTree>
+  </p:cSld>
+  <p:clrMapOvr>
+    <a:masterClrMapping/>
+  </p:clrMapOvr>
+</p:sld>
+</file>
+
+<file path=ppt/slides/slide5.xml><?xml version="1.0" encoding="utf-8"?>
+<p:sld xmlns:a="http://schemas.openxmlformats.org/drawingml/2006/main" xmlns:r="http://schemas.openxmlformats.org/officeDocument/2006/relationships" xmlns:p="http://schemas.openxmlformats.org/presentationml/2006/main">
+  <p:cSld>
+    <p:spTree>
+      <p:nvGrpSpPr>
+        <p:cNvPr id="1" name=""/>
+        <p:cNvGrpSpPr/>
+        <p:nvPr/>
+      </p:nvGrpSpPr>
+      <p:grpSpPr/>
+      <p:pic>
+        <p:nvPicPr>
+          <p:cNvPr id="4" name="Content Placeholder 3" descr="Features"/>
+          <p:cNvPicPr>
+            <a:picLocks noChangeAspect="1"/>
+          </p:cNvPicPr>
+          <p:nvPr>
+            <p:ph idx="1"/>
+          </p:nvPr>
+        </p:nvPicPr>
+        <p:blipFill>
+          <a:blip r:embed="rId1"/>
+          <a:stretch>
+            <a:fillRect/>
+          </a:stretch>
+        </p:blipFill>
+        <p:spPr>
+          <a:xfrm>
+            <a:off x="2701290" y="129540"/>
+            <a:ext cx="6790055" cy="6598920"/>
           </a:xfrm>
           <a:prstGeom prst="rect">
             <a:avLst/>

--- a/Phase1/document/Financial-Services-Hub-Phase1.pptx
+++ b/Phase1/document/Financial-Services-Hub-Phase1.pptx
@@ -9,7 +9,8 @@
     <p:sldId id="259" r:id="rId4"/>
     <p:sldId id="260" r:id="rId5"/>
     <p:sldId id="258" r:id="rId6"/>
-    <p:sldId id="257" r:id="rId7"/>
+    <p:sldId id="263" r:id="rId7"/>
+    <p:sldId id="257" r:id="rId8"/>
   </p:sldIdLst>
   <p:sldSz cx="12192000" cy="6858000"/>
   <p:notesSz cx="7103745" cy="10234295"/>
@@ -2918,6 +2919,72 @@
         <p:nvPr/>
       </p:nvGrpSpPr>
       <p:grpSpPr/>
+      <p:sp>
+        <p:nvSpPr>
+          <p:cNvPr id="2" name="Title 1"/>
+          <p:cNvSpPr>
+            <a:spLocks noGrp="1"/>
+          </p:cNvSpPr>
+          <p:nvPr>
+            <p:ph type="title"/>
+          </p:nvPr>
+        </p:nvSpPr>
+        <p:spPr/>
+        <p:txBody>
+          <a:bodyPr/>
+          <a:p>
+            <a:r>
+              <a:rPr lang="en-US"/>
+              <a:t>Technologies</a:t>
+            </a:r>
+            <a:endParaRPr lang="en-US"/>
+          </a:p>
+        </p:txBody>
+      </p:sp>
+      <p:pic>
+        <p:nvPicPr>
+          <p:cNvPr id="4" name="Content Placeholder 3" descr="technologies"/>
+          <p:cNvPicPr>
+            <a:picLocks noChangeAspect="1"/>
+          </p:cNvPicPr>
+          <p:nvPr>
+            <p:ph idx="1"/>
+          </p:nvPr>
+        </p:nvPicPr>
+        <p:blipFill>
+          <a:blip r:embed="rId1"/>
+          <a:stretch>
+            <a:fillRect/>
+          </a:stretch>
+        </p:blipFill>
+        <p:spPr>
+          <a:xfrm>
+            <a:off x="1168400" y="1691005"/>
+            <a:ext cx="9855200" cy="4315460"/>
+          </a:xfrm>
+          <a:prstGeom prst="rect">
+            <a:avLst/>
+          </a:prstGeom>
+        </p:spPr>
+      </p:pic>
+    </p:spTree>
+  </p:cSld>
+  <p:clrMapOvr>
+    <a:masterClrMapping/>
+  </p:clrMapOvr>
+</p:sld>
+</file>
+
+<file path=ppt/slides/slide6.xml><?xml version="1.0" encoding="utf-8"?>
+<p:sld xmlns:a="http://schemas.openxmlformats.org/drawingml/2006/main" xmlns:r="http://schemas.openxmlformats.org/officeDocument/2006/relationships" xmlns:p="http://schemas.openxmlformats.org/presentationml/2006/main">
+  <p:cSld>
+    <p:spTree>
+      <p:nvGrpSpPr>
+        <p:cNvPr id="1" name=""/>
+        <p:cNvGrpSpPr/>
+        <p:nvPr/>
+      </p:nvGrpSpPr>
+      <p:grpSpPr/>
       <p:pic>
         <p:nvPicPr>
           <p:cNvPr id="4" name="Content Placeholder 3" descr="Features"/>
